--- a/Doc/示例插图.pptx
+++ b/Doc/示例插图.pptx
@@ -7,6 +7,7 @@
   <p:sldIdLst>
     <p:sldId id="256" r:id="rId3"/>
     <p:sldId id="257" r:id="rId4"/>
+    <p:sldId id="258" r:id="rId5"/>
   </p:sldIdLst>
   <p:sldSz cx="12192000" cy="6858000"/>
   <p:notesSz cx="7103745" cy="10234295"/>
@@ -4087,14 +4088,14 @@
       <p:grpSpPr/>
       <p:sp>
         <p:nvSpPr>
-          <p:cNvPr id="4" name="椭圆 3"/>
+          <p:cNvPr id="2" name="椭圆 1"/>
           <p:cNvSpPr/>
           <p:nvPr/>
         </p:nvSpPr>
         <p:spPr>
           <a:xfrm>
-            <a:off x="3545840" y="2543175"/>
-            <a:ext cx="469265" cy="394970"/>
+            <a:off x="1186815" y="1349375"/>
+            <a:ext cx="1233805" cy="1180465"/>
           </a:xfrm>
           <a:prstGeom prst="ellipse">
             <a:avLst/>
@@ -4120,20 +4121,24 @@
           <a:bodyPr rtlCol="0" anchor="ctr"/>
           <a:p>
             <a:pPr algn="ctr"/>
-            <a:endParaRPr lang="zh-CN" altLang="en-US"/>
-          </a:p>
-        </p:txBody>
-      </p:sp>
-      <p:sp>
-        <p:nvSpPr>
-          <p:cNvPr id="5" name="椭圆 4"/>
+            <a:r>
+              <a:rPr lang="en-US" altLang="zh-CN"/>
+              <a:t>0.5</a:t>
+            </a:r>
+            <a:endParaRPr lang="en-US" altLang="zh-CN"/>
+          </a:p>
+        </p:txBody>
+      </p:sp>
+      <p:sp>
+        <p:nvSpPr>
+          <p:cNvPr id="3" name="椭圆 2"/>
           <p:cNvSpPr/>
           <p:nvPr/>
         </p:nvSpPr>
         <p:spPr>
           <a:xfrm>
-            <a:off x="3545840" y="3306445"/>
-            <a:ext cx="469265" cy="394970"/>
+            <a:off x="1186815" y="2978785"/>
+            <a:ext cx="1233805" cy="1180465"/>
           </a:xfrm>
           <a:prstGeom prst="ellipse">
             <a:avLst/>
@@ -4159,20 +4164,24 @@
           <a:bodyPr rtlCol="0" anchor="ctr"/>
           <a:p>
             <a:pPr algn="ctr"/>
-            <a:endParaRPr lang="zh-CN" altLang="en-US"/>
-          </a:p>
-        </p:txBody>
-      </p:sp>
-      <p:sp>
-        <p:nvSpPr>
-          <p:cNvPr id="6" name="椭圆 5"/>
+            <a:r>
+              <a:rPr lang="en-US" altLang="zh-CN"/>
+              <a:t>0.5</a:t>
+            </a:r>
+            <a:endParaRPr lang="en-US" altLang="zh-CN"/>
+          </a:p>
+        </p:txBody>
+      </p:sp>
+      <p:sp>
+        <p:nvSpPr>
+          <p:cNvPr id="44" name="椭圆 43"/>
           <p:cNvSpPr/>
           <p:nvPr/>
         </p:nvSpPr>
         <p:spPr>
           <a:xfrm>
-            <a:off x="3545840" y="4069715"/>
-            <a:ext cx="469265" cy="394970"/>
+            <a:off x="1186815" y="4453890"/>
+            <a:ext cx="1233805" cy="1180465"/>
           </a:xfrm>
           <a:prstGeom prst="ellipse">
             <a:avLst/>
@@ -4198,20 +4207,24 @@
           <a:bodyPr rtlCol="0" anchor="ctr"/>
           <a:p>
             <a:pPr algn="ctr"/>
-            <a:endParaRPr lang="zh-CN" altLang="en-US"/>
-          </a:p>
-        </p:txBody>
-      </p:sp>
-      <p:sp>
-        <p:nvSpPr>
-          <p:cNvPr id="7" name="椭圆 6"/>
+            <a:r>
+              <a:rPr lang="en-US" altLang="zh-CN"/>
+              <a:t>0.5</a:t>
+            </a:r>
+            <a:endParaRPr lang="en-US" altLang="zh-CN"/>
+          </a:p>
+        </p:txBody>
+      </p:sp>
+      <p:sp>
+        <p:nvSpPr>
+          <p:cNvPr id="45" name="椭圆 44"/>
           <p:cNvSpPr/>
           <p:nvPr/>
         </p:nvSpPr>
         <p:spPr>
           <a:xfrm>
-            <a:off x="5302885" y="2627630"/>
-            <a:ext cx="469265" cy="394970"/>
+            <a:off x="4300220" y="2298700"/>
+            <a:ext cx="1233805" cy="1180465"/>
           </a:xfrm>
           <a:prstGeom prst="ellipse">
             <a:avLst/>
@@ -4237,20 +4250,24 @@
           <a:bodyPr rtlCol="0" anchor="ctr"/>
           <a:p>
             <a:pPr algn="ctr"/>
-            <a:endParaRPr lang="zh-CN" altLang="en-US"/>
-          </a:p>
-        </p:txBody>
-      </p:sp>
-      <p:sp>
-        <p:nvSpPr>
-          <p:cNvPr id="8" name="椭圆 7"/>
+            <a:r>
+              <a:rPr lang="en-US" altLang="zh-CN"/>
+              <a:t>0.0</a:t>
+            </a:r>
+            <a:endParaRPr lang="en-US" altLang="zh-CN"/>
+          </a:p>
+        </p:txBody>
+      </p:sp>
+      <p:sp>
+        <p:nvSpPr>
+          <p:cNvPr id="46" name="椭圆 45"/>
           <p:cNvSpPr/>
           <p:nvPr/>
         </p:nvSpPr>
         <p:spPr>
           <a:xfrm>
-            <a:off x="5315585" y="3390900"/>
-            <a:ext cx="469265" cy="394970"/>
+            <a:off x="4300220" y="3928110"/>
+            <a:ext cx="1233805" cy="1180465"/>
           </a:xfrm>
           <a:prstGeom prst="ellipse">
             <a:avLst/>
@@ -4276,23 +4293,714 @@
           <a:bodyPr rtlCol="0" anchor="ctr"/>
           <a:p>
             <a:pPr algn="ctr"/>
-            <a:endParaRPr lang="zh-CN" altLang="en-US"/>
-          </a:p>
-        </p:txBody>
-      </p:sp>
+            <a:r>
+              <a:rPr lang="en-US" altLang="zh-CN"/>
+              <a:t>0.0</a:t>
+            </a:r>
+            <a:endParaRPr lang="en-US" altLang="zh-CN"/>
+          </a:p>
+        </p:txBody>
+      </p:sp>
+      <p:cxnSp>
+        <p:nvCxnSpPr>
+          <p:cNvPr id="47" name="直接箭头连接符 46"/>
+          <p:cNvCxnSpPr>
+            <a:stCxn id="2" idx="6"/>
+            <a:endCxn id="45" idx="2"/>
+          </p:cNvCxnSpPr>
+          <p:nvPr/>
+        </p:nvCxnSpPr>
+        <p:spPr>
+          <a:xfrm>
+            <a:off x="2420620" y="1939925"/>
+            <a:ext cx="1879600" cy="949325"/>
+          </a:xfrm>
+          <a:prstGeom prst="straightConnector1">
+            <a:avLst/>
+          </a:prstGeom>
+          <a:ln>
+            <a:tailEnd type="arrow"/>
+          </a:ln>
+        </p:spPr>
+        <p:style>
+          <a:lnRef idx="1">
+            <a:schemeClr val="accent1"/>
+          </a:lnRef>
+          <a:fillRef idx="0">
+            <a:schemeClr val="accent1"/>
+          </a:fillRef>
+          <a:effectRef idx="0">
+            <a:schemeClr val="accent1"/>
+          </a:effectRef>
+          <a:fontRef idx="minor">
+            <a:schemeClr val="tx1"/>
+          </a:fontRef>
+        </p:style>
+      </p:cxnSp>
+      <p:cxnSp>
+        <p:nvCxnSpPr>
+          <p:cNvPr id="48" name="直接箭头连接符 47"/>
+          <p:cNvCxnSpPr>
+            <a:endCxn id="46" idx="2"/>
+          </p:cNvCxnSpPr>
+          <p:nvPr/>
+        </p:nvCxnSpPr>
+        <p:spPr>
+          <a:xfrm>
+            <a:off x="2429510" y="1966595"/>
+            <a:ext cx="1870710" cy="2552065"/>
+          </a:xfrm>
+          <a:prstGeom prst="straightConnector1">
+            <a:avLst/>
+          </a:prstGeom>
+          <a:ln>
+            <a:tailEnd type="arrow"/>
+          </a:ln>
+        </p:spPr>
+        <p:style>
+          <a:lnRef idx="1">
+            <a:schemeClr val="accent1"/>
+          </a:lnRef>
+          <a:fillRef idx="0">
+            <a:schemeClr val="accent1"/>
+          </a:fillRef>
+          <a:effectRef idx="0">
+            <a:schemeClr val="accent1"/>
+          </a:effectRef>
+          <a:fontRef idx="minor">
+            <a:schemeClr val="tx1"/>
+          </a:fontRef>
+        </p:style>
+      </p:cxnSp>
+    </p:spTree>
+  </p:cSld>
+  <p:clrMapOvr>
+    <a:masterClrMapping/>
+  </p:clrMapOvr>
+</p:sld>
+</file>
+
+<file path=ppt/slides/slide3.xml><?xml version="1.0" encoding="utf-8"?>
+<p:sld xmlns:a="http://schemas.openxmlformats.org/drawingml/2006/main" xmlns:r="http://schemas.openxmlformats.org/officeDocument/2006/relationships" xmlns:p="http://schemas.openxmlformats.org/presentationml/2006/main">
+  <p:cSld>
+    <p:spTree>
+      <p:nvGrpSpPr>
+        <p:cNvPr id="1" name=""/>
+        <p:cNvGrpSpPr/>
+        <p:nvPr/>
+      </p:nvGrpSpPr>
+      <p:grpSpPr/>
+      <p:sp>
+        <p:nvSpPr>
+          <p:cNvPr id="3" name="椭圆 2"/>
+          <p:cNvSpPr/>
+          <p:nvPr/>
+        </p:nvSpPr>
+        <p:spPr>
+          <a:xfrm>
+            <a:off x="1741170" y="2298700"/>
+            <a:ext cx="1233805" cy="1180465"/>
+          </a:xfrm>
+          <a:prstGeom prst="ellipse">
+            <a:avLst/>
+          </a:prstGeom>
+        </p:spPr>
+        <p:style>
+          <a:lnRef idx="2">
+            <a:schemeClr val="accent1">
+              <a:shade val="50000"/>
+            </a:schemeClr>
+          </a:lnRef>
+          <a:fillRef idx="1">
+            <a:schemeClr val="accent1"/>
+          </a:fillRef>
+          <a:effectRef idx="0">
+            <a:schemeClr val="accent1"/>
+          </a:effectRef>
+          <a:fontRef idx="minor">
+            <a:schemeClr val="lt1"/>
+          </a:fontRef>
+        </p:style>
+        <p:txBody>
+          <a:bodyPr rtlCol="0" anchor="ctr"/>
+          <a:p>
+            <a:pPr algn="ctr"/>
+            <a:r>
+              <a:rPr lang="en-US" altLang="zh-CN"/>
+              <a:t>0.5</a:t>
+            </a:r>
+            <a:endParaRPr lang="en-US" altLang="zh-CN"/>
+          </a:p>
+        </p:txBody>
+      </p:sp>
+      <p:sp>
+        <p:nvSpPr>
+          <p:cNvPr id="44" name="椭圆 43"/>
+          <p:cNvSpPr/>
+          <p:nvPr/>
+        </p:nvSpPr>
+        <p:spPr>
+          <a:xfrm>
+            <a:off x="1741170" y="3773805"/>
+            <a:ext cx="1233805" cy="1180465"/>
+          </a:xfrm>
+          <a:prstGeom prst="ellipse">
+            <a:avLst/>
+          </a:prstGeom>
+        </p:spPr>
+        <p:style>
+          <a:lnRef idx="2">
+            <a:schemeClr val="accent1">
+              <a:shade val="50000"/>
+            </a:schemeClr>
+          </a:lnRef>
+          <a:fillRef idx="1">
+            <a:schemeClr val="accent1"/>
+          </a:fillRef>
+          <a:effectRef idx="0">
+            <a:schemeClr val="accent1"/>
+          </a:effectRef>
+          <a:fontRef idx="minor">
+            <a:schemeClr val="lt1"/>
+          </a:fontRef>
+        </p:style>
+        <p:txBody>
+          <a:bodyPr rtlCol="0" anchor="ctr"/>
+          <a:p>
+            <a:pPr algn="ctr"/>
+            <a:r>
+              <a:rPr lang="en-US" altLang="zh-CN"/>
+              <a:t>0.5</a:t>
+            </a:r>
+            <a:endParaRPr lang="en-US" altLang="zh-CN"/>
+          </a:p>
+        </p:txBody>
+      </p:sp>
+      <p:sp>
+        <p:nvSpPr>
+          <p:cNvPr id="45" name="椭圆 44"/>
+          <p:cNvSpPr/>
+          <p:nvPr/>
+        </p:nvSpPr>
+        <p:spPr>
+          <a:xfrm>
+            <a:off x="4353560" y="3075305"/>
+            <a:ext cx="1233805" cy="1180465"/>
+          </a:xfrm>
+          <a:prstGeom prst="ellipse">
+            <a:avLst/>
+          </a:prstGeom>
+        </p:spPr>
+        <p:style>
+          <a:lnRef idx="2">
+            <a:schemeClr val="accent1">
+              <a:shade val="50000"/>
+            </a:schemeClr>
+          </a:lnRef>
+          <a:fillRef idx="1">
+            <a:schemeClr val="accent1"/>
+          </a:fillRef>
+          <a:effectRef idx="0">
+            <a:schemeClr val="accent1"/>
+          </a:effectRef>
+          <a:fontRef idx="minor">
+            <a:schemeClr val="lt1"/>
+          </a:fontRef>
+        </p:style>
+        <p:txBody>
+          <a:bodyPr rtlCol="0" anchor="ctr"/>
+          <a:p>
+            <a:pPr algn="ctr"/>
+            <a:r>
+              <a:rPr lang="en-US" altLang="zh-CN"/>
+              <a:t>0.0</a:t>
+            </a:r>
+            <a:endParaRPr lang="en-US" altLang="zh-CN"/>
+          </a:p>
+        </p:txBody>
+      </p:sp>
+      <p:sp>
+        <p:nvSpPr>
+          <p:cNvPr id="46" name="椭圆 45"/>
+          <p:cNvSpPr/>
+          <p:nvPr/>
+        </p:nvSpPr>
+        <p:spPr>
+          <a:xfrm>
+            <a:off x="4407535" y="4885055"/>
+            <a:ext cx="1233805" cy="1180465"/>
+          </a:xfrm>
+          <a:prstGeom prst="ellipse">
+            <a:avLst/>
+          </a:prstGeom>
+        </p:spPr>
+        <p:style>
+          <a:lnRef idx="2">
+            <a:schemeClr val="accent1">
+              <a:shade val="50000"/>
+            </a:schemeClr>
+          </a:lnRef>
+          <a:fillRef idx="1">
+            <a:schemeClr val="accent1"/>
+          </a:fillRef>
+          <a:effectRef idx="0">
+            <a:schemeClr val="accent1"/>
+          </a:effectRef>
+          <a:fontRef idx="minor">
+            <a:schemeClr val="lt1"/>
+          </a:fontRef>
+        </p:style>
+        <p:txBody>
+          <a:bodyPr rtlCol="0" anchor="ctr"/>
+          <a:p>
+            <a:pPr algn="ctr"/>
+            <a:r>
+              <a:rPr lang="en-US" altLang="zh-CN"/>
+              <a:t>0.0</a:t>
+            </a:r>
+            <a:endParaRPr lang="en-US" altLang="zh-CN"/>
+          </a:p>
+        </p:txBody>
+      </p:sp>
+      <p:sp>
+        <p:nvSpPr>
+          <p:cNvPr id="4" name="椭圆 3"/>
+          <p:cNvSpPr/>
+          <p:nvPr/>
+        </p:nvSpPr>
+        <p:spPr>
+          <a:xfrm>
+            <a:off x="4353560" y="1265555"/>
+            <a:ext cx="1233805" cy="1180465"/>
+          </a:xfrm>
+          <a:prstGeom prst="ellipse">
+            <a:avLst/>
+          </a:prstGeom>
+        </p:spPr>
+        <p:style>
+          <a:lnRef idx="2">
+            <a:schemeClr val="accent1">
+              <a:shade val="50000"/>
+            </a:schemeClr>
+          </a:lnRef>
+          <a:fillRef idx="1">
+            <a:schemeClr val="accent1"/>
+          </a:fillRef>
+          <a:effectRef idx="0">
+            <a:schemeClr val="accent1"/>
+          </a:effectRef>
+          <a:fontRef idx="minor">
+            <a:schemeClr val="lt1"/>
+          </a:fontRef>
+        </p:style>
+        <p:txBody>
+          <a:bodyPr rtlCol="0" anchor="ctr"/>
+          <a:p>
+            <a:pPr algn="ctr"/>
+            <a:r>
+              <a:rPr lang="en-US" altLang="zh-CN"/>
+              <a:t>0.0</a:t>
+            </a:r>
+            <a:endParaRPr lang="en-US" altLang="zh-CN"/>
+          </a:p>
+        </p:txBody>
+      </p:sp>
+      <p:sp>
+        <p:nvSpPr>
+          <p:cNvPr id="5" name="椭圆 4"/>
+          <p:cNvSpPr/>
+          <p:nvPr/>
+        </p:nvSpPr>
+        <p:spPr>
+          <a:xfrm>
+            <a:off x="7403465" y="2298700"/>
+            <a:ext cx="1233805" cy="1180465"/>
+          </a:xfrm>
+          <a:prstGeom prst="ellipse">
+            <a:avLst/>
+          </a:prstGeom>
+        </p:spPr>
+        <p:style>
+          <a:lnRef idx="2">
+            <a:schemeClr val="accent1">
+              <a:shade val="50000"/>
+            </a:schemeClr>
+          </a:lnRef>
+          <a:fillRef idx="1">
+            <a:schemeClr val="accent1"/>
+          </a:fillRef>
+          <a:effectRef idx="0">
+            <a:schemeClr val="accent1"/>
+          </a:effectRef>
+          <a:fontRef idx="minor">
+            <a:schemeClr val="lt1"/>
+          </a:fontRef>
+        </p:style>
+        <p:txBody>
+          <a:bodyPr rtlCol="0" anchor="ctr"/>
+          <a:p>
+            <a:pPr algn="ctr"/>
+            <a:r>
+              <a:rPr lang="en-US" altLang="zh-CN"/>
+              <a:t>0.0</a:t>
+            </a:r>
+            <a:endParaRPr lang="en-US" altLang="zh-CN"/>
+          </a:p>
+        </p:txBody>
+      </p:sp>
+      <p:sp>
+        <p:nvSpPr>
+          <p:cNvPr id="6" name="椭圆 5"/>
+          <p:cNvSpPr/>
+          <p:nvPr/>
+        </p:nvSpPr>
+        <p:spPr>
+          <a:xfrm>
+            <a:off x="7403465" y="3773805"/>
+            <a:ext cx="1233805" cy="1180465"/>
+          </a:xfrm>
+          <a:prstGeom prst="ellipse">
+            <a:avLst/>
+          </a:prstGeom>
+        </p:spPr>
+        <p:style>
+          <a:lnRef idx="2">
+            <a:schemeClr val="accent1">
+              <a:shade val="50000"/>
+            </a:schemeClr>
+          </a:lnRef>
+          <a:fillRef idx="1">
+            <a:schemeClr val="accent1"/>
+          </a:fillRef>
+          <a:effectRef idx="0">
+            <a:schemeClr val="accent1"/>
+          </a:effectRef>
+          <a:fontRef idx="minor">
+            <a:schemeClr val="lt1"/>
+          </a:fontRef>
+        </p:style>
+        <p:txBody>
+          <a:bodyPr rtlCol="0" anchor="ctr"/>
+          <a:p>
+            <a:pPr algn="ctr"/>
+            <a:r>
+              <a:rPr lang="en-US" altLang="zh-CN"/>
+              <a:t>0.0</a:t>
+            </a:r>
+            <a:endParaRPr lang="en-US" altLang="zh-CN"/>
+          </a:p>
+        </p:txBody>
+      </p:sp>
+      <p:sp>
+        <p:nvSpPr>
+          <p:cNvPr id="7" name="文本框 6"/>
+          <p:cNvSpPr txBox="1"/>
+          <p:nvPr/>
+        </p:nvSpPr>
+        <p:spPr>
+          <a:xfrm>
+            <a:off x="1750060" y="839470"/>
+            <a:ext cx="672465" cy="368300"/>
+          </a:xfrm>
+          <a:prstGeom prst="rect">
+            <a:avLst/>
+          </a:prstGeom>
+          <a:noFill/>
+        </p:spPr>
+        <p:txBody>
+          <a:bodyPr wrap="none" rtlCol="0">
+            <a:spAutoFit/>
+          </a:bodyPr>
+          <a:p>
+            <a:r>
+              <a:rPr lang="en-US" altLang="zh-CN"/>
+              <a:t>input</a:t>
+            </a:r>
+            <a:endParaRPr lang="en-US" altLang="zh-CN"/>
+          </a:p>
+        </p:txBody>
+      </p:sp>
+      <p:sp>
+        <p:nvSpPr>
+          <p:cNvPr id="8" name="文本框 7"/>
+          <p:cNvSpPr txBox="1"/>
+          <p:nvPr/>
+        </p:nvSpPr>
+        <p:spPr>
+          <a:xfrm>
+            <a:off x="4682490" y="499745"/>
+            <a:ext cx="829310" cy="368300"/>
+          </a:xfrm>
+          <a:prstGeom prst="rect">
+            <a:avLst/>
+          </a:prstGeom>
+          <a:noFill/>
+        </p:spPr>
+        <p:txBody>
+          <a:bodyPr wrap="none" rtlCol="0">
+            <a:spAutoFit/>
+          </a:bodyPr>
+          <a:p>
+            <a:r>
+              <a:rPr lang="en-US" altLang="zh-CN"/>
+              <a:t>hidden</a:t>
+            </a:r>
+            <a:endParaRPr lang="en-US" altLang="zh-CN"/>
+          </a:p>
+        </p:txBody>
+      </p:sp>
+      <p:sp>
+        <p:nvSpPr>
+          <p:cNvPr id="9" name="文本框 8"/>
+          <p:cNvSpPr txBox="1"/>
+          <p:nvPr/>
+        </p:nvSpPr>
+        <p:spPr>
+          <a:xfrm>
+            <a:off x="7696200" y="902335"/>
+            <a:ext cx="817245" cy="368300"/>
+          </a:xfrm>
+          <a:prstGeom prst="rect">
+            <a:avLst/>
+          </a:prstGeom>
+          <a:noFill/>
+        </p:spPr>
+        <p:txBody>
+          <a:bodyPr wrap="none" rtlCol="0">
+            <a:spAutoFit/>
+          </a:bodyPr>
+          <a:p>
+            <a:r>
+              <a:rPr lang="en-US" altLang="zh-CN"/>
+              <a:t>output</a:t>
+            </a:r>
+            <a:endParaRPr lang="en-US" altLang="zh-CN"/>
+          </a:p>
+        </p:txBody>
+      </p:sp>
+      <p:cxnSp>
+        <p:nvCxnSpPr>
+          <p:cNvPr id="10" name="直接箭头连接符 9"/>
+          <p:cNvCxnSpPr>
+            <a:stCxn id="3" idx="6"/>
+            <a:endCxn id="4" idx="2"/>
+          </p:cNvCxnSpPr>
+          <p:nvPr/>
+        </p:nvCxnSpPr>
+        <p:spPr>
+          <a:xfrm flipV="1">
+            <a:off x="2974975" y="1856105"/>
+            <a:ext cx="1378585" cy="1033145"/>
+          </a:xfrm>
+          <a:prstGeom prst="straightConnector1">
+            <a:avLst/>
+          </a:prstGeom>
+          <a:ln>
+            <a:tailEnd type="arrow"/>
+          </a:ln>
+        </p:spPr>
+        <p:style>
+          <a:lnRef idx="1">
+            <a:schemeClr val="accent1"/>
+          </a:lnRef>
+          <a:fillRef idx="0">
+            <a:schemeClr val="accent1"/>
+          </a:fillRef>
+          <a:effectRef idx="0">
+            <a:schemeClr val="accent1"/>
+          </a:effectRef>
+          <a:fontRef idx="minor">
+            <a:schemeClr val="tx1"/>
+          </a:fontRef>
+        </p:style>
+      </p:cxnSp>
+      <p:cxnSp>
+        <p:nvCxnSpPr>
+          <p:cNvPr id="11" name="直接箭头连接符 10"/>
+          <p:cNvCxnSpPr>
+            <a:stCxn id="3" idx="6"/>
+            <a:endCxn id="45" idx="2"/>
+          </p:cNvCxnSpPr>
+          <p:nvPr/>
+        </p:nvCxnSpPr>
+        <p:spPr>
+          <a:xfrm>
+            <a:off x="2974975" y="2889250"/>
+            <a:ext cx="1378585" cy="776605"/>
+          </a:xfrm>
+          <a:prstGeom prst="straightConnector1">
+            <a:avLst/>
+          </a:prstGeom>
+          <a:ln>
+            <a:tailEnd type="arrow"/>
+          </a:ln>
+        </p:spPr>
+        <p:style>
+          <a:lnRef idx="1">
+            <a:schemeClr val="accent1"/>
+          </a:lnRef>
+          <a:fillRef idx="0">
+            <a:schemeClr val="accent1"/>
+          </a:fillRef>
+          <a:effectRef idx="0">
+            <a:schemeClr val="accent1"/>
+          </a:effectRef>
+          <a:fontRef idx="minor">
+            <a:schemeClr val="tx1"/>
+          </a:fontRef>
+        </p:style>
+      </p:cxnSp>
+      <p:cxnSp>
+        <p:nvCxnSpPr>
+          <p:cNvPr id="12" name="直接箭头连接符 11"/>
+          <p:cNvCxnSpPr>
+            <a:endCxn id="46" idx="2"/>
+          </p:cNvCxnSpPr>
+          <p:nvPr/>
+        </p:nvCxnSpPr>
+        <p:spPr>
+          <a:xfrm>
+            <a:off x="2983865" y="2931795"/>
+            <a:ext cx="1423670" cy="2543810"/>
+          </a:xfrm>
+          <a:prstGeom prst="straightConnector1">
+            <a:avLst/>
+          </a:prstGeom>
+          <a:ln>
+            <a:tailEnd type="arrow"/>
+          </a:ln>
+        </p:spPr>
+        <p:style>
+          <a:lnRef idx="1">
+            <a:schemeClr val="accent1"/>
+          </a:lnRef>
+          <a:fillRef idx="0">
+            <a:schemeClr val="accent1"/>
+          </a:fillRef>
+          <a:effectRef idx="0">
+            <a:schemeClr val="accent1"/>
+          </a:effectRef>
+          <a:fontRef idx="minor">
+            <a:schemeClr val="tx1"/>
+          </a:fontRef>
+        </p:style>
+      </p:cxnSp>
+      <p:cxnSp>
+        <p:nvCxnSpPr>
+          <p:cNvPr id="13" name="直接箭头连接符 12"/>
+          <p:cNvCxnSpPr>
+            <a:stCxn id="44" idx="6"/>
+          </p:cNvCxnSpPr>
+          <p:nvPr/>
+        </p:nvCxnSpPr>
+        <p:spPr>
+          <a:xfrm flipV="1">
+            <a:off x="2974975" y="1894840"/>
+            <a:ext cx="1341120" cy="2469515"/>
+          </a:xfrm>
+          <a:prstGeom prst="straightConnector1">
+            <a:avLst/>
+          </a:prstGeom>
+          <a:ln>
+            <a:tailEnd type="arrow"/>
+          </a:ln>
+        </p:spPr>
+        <p:style>
+          <a:lnRef idx="1">
+            <a:schemeClr val="accent1"/>
+          </a:lnRef>
+          <a:fillRef idx="0">
+            <a:schemeClr val="accent1"/>
+          </a:fillRef>
+          <a:effectRef idx="0">
+            <a:schemeClr val="accent1"/>
+          </a:effectRef>
+          <a:fontRef idx="minor">
+            <a:schemeClr val="tx1"/>
+          </a:fontRef>
+        </p:style>
+      </p:cxnSp>
+      <p:cxnSp>
+        <p:nvCxnSpPr>
+          <p:cNvPr id="14" name="直接箭头连接符 13"/>
+          <p:cNvCxnSpPr>
+            <a:stCxn id="44" idx="6"/>
+          </p:cNvCxnSpPr>
+          <p:nvPr/>
+        </p:nvCxnSpPr>
+        <p:spPr>
+          <a:xfrm flipV="1">
+            <a:off x="2974975" y="3638550"/>
+            <a:ext cx="1376680" cy="725805"/>
+          </a:xfrm>
+          <a:prstGeom prst="straightConnector1">
+            <a:avLst/>
+          </a:prstGeom>
+          <a:ln>
+            <a:tailEnd type="arrow"/>
+          </a:ln>
+        </p:spPr>
+        <p:style>
+          <a:lnRef idx="1">
+            <a:schemeClr val="accent1"/>
+          </a:lnRef>
+          <a:fillRef idx="0">
+            <a:schemeClr val="accent1"/>
+          </a:fillRef>
+          <a:effectRef idx="0">
+            <a:schemeClr val="accent1"/>
+          </a:effectRef>
+          <a:fontRef idx="minor">
+            <a:schemeClr val="tx1"/>
+          </a:fontRef>
+        </p:style>
+      </p:cxnSp>
+      <p:cxnSp>
+        <p:nvCxnSpPr>
+          <p:cNvPr id="15" name="直接箭头连接符 14"/>
+          <p:cNvCxnSpPr/>
+          <p:nvPr/>
+        </p:nvCxnSpPr>
+        <p:spPr>
+          <a:xfrm>
+            <a:off x="3010535" y="4389120"/>
+            <a:ext cx="1377315" cy="1090930"/>
+          </a:xfrm>
+          <a:prstGeom prst="straightConnector1">
+            <a:avLst/>
+          </a:prstGeom>
+          <a:ln>
+            <a:tailEnd type="arrow"/>
+          </a:ln>
+        </p:spPr>
+        <p:style>
+          <a:lnRef idx="1">
+            <a:schemeClr val="accent1"/>
+          </a:lnRef>
+          <a:fillRef idx="0">
+            <a:schemeClr val="accent1"/>
+          </a:fillRef>
+          <a:effectRef idx="0">
+            <a:schemeClr val="accent1"/>
+          </a:effectRef>
+          <a:fontRef idx="minor">
+            <a:schemeClr val="tx1"/>
+          </a:fontRef>
+        </p:style>
+      </p:cxnSp>
       <p:cxnSp>
         <p:nvCxnSpPr>
           <p:cNvPr id="16" name="直接箭头连接符 15"/>
           <p:cNvCxnSpPr>
             <a:stCxn id="4" idx="6"/>
-            <a:endCxn id="7" idx="2"/>
+            <a:endCxn id="5" idx="2"/>
           </p:cNvCxnSpPr>
           <p:nvPr/>
         </p:nvCxnSpPr>
         <p:spPr>
           <a:xfrm>
-            <a:off x="4015105" y="2740660"/>
-            <a:ext cx="1287780" cy="84455"/>
+            <a:off x="5587365" y="1856105"/>
+            <a:ext cx="1816100" cy="1033145"/>
           </a:xfrm>
           <a:prstGeom prst="straightConnector1">
             <a:avLst/>
@@ -4320,15 +5028,121 @@
         <p:nvCxnSpPr>
           <p:cNvPr id="17" name="直接箭头连接符 16"/>
           <p:cNvCxnSpPr>
-            <a:stCxn id="4" idx="6"/>
-            <a:endCxn id="8" idx="2"/>
+            <a:endCxn id="6" idx="2"/>
           </p:cNvCxnSpPr>
           <p:nvPr/>
         </p:nvCxnSpPr>
         <p:spPr>
           <a:xfrm>
-            <a:off x="4015105" y="2740660"/>
-            <a:ext cx="1300480" cy="847725"/>
+            <a:off x="5603875" y="1868170"/>
+            <a:ext cx="1799590" cy="2496185"/>
+          </a:xfrm>
+          <a:prstGeom prst="straightConnector1">
+            <a:avLst/>
+          </a:prstGeom>
+          <a:ln>
+            <a:tailEnd type="arrow"/>
+          </a:ln>
+        </p:spPr>
+        <p:style>
+          <a:lnRef idx="1">
+            <a:schemeClr val="accent1"/>
+          </a:lnRef>
+          <a:fillRef idx="0">
+            <a:schemeClr val="accent1"/>
+          </a:fillRef>
+          <a:effectRef idx="0">
+            <a:schemeClr val="accent1"/>
+          </a:effectRef>
+          <a:fontRef idx="minor">
+            <a:schemeClr val="tx1"/>
+          </a:fontRef>
+        </p:style>
+      </p:cxnSp>
+      <p:cxnSp>
+        <p:nvCxnSpPr>
+          <p:cNvPr id="18" name="直接箭头连接符 17"/>
+          <p:cNvCxnSpPr>
+            <a:stCxn id="45" idx="6"/>
+            <a:endCxn id="5" idx="2"/>
+          </p:cNvCxnSpPr>
+          <p:nvPr/>
+        </p:nvCxnSpPr>
+        <p:spPr>
+          <a:xfrm flipV="1">
+            <a:off x="5587365" y="2889250"/>
+            <a:ext cx="1816100" cy="776605"/>
+          </a:xfrm>
+          <a:prstGeom prst="straightConnector1">
+            <a:avLst/>
+          </a:prstGeom>
+          <a:ln>
+            <a:tailEnd type="arrow"/>
+          </a:ln>
+        </p:spPr>
+        <p:style>
+          <a:lnRef idx="1">
+            <a:schemeClr val="accent1"/>
+          </a:lnRef>
+          <a:fillRef idx="0">
+            <a:schemeClr val="accent1"/>
+          </a:fillRef>
+          <a:effectRef idx="0">
+            <a:schemeClr val="accent1"/>
+          </a:effectRef>
+          <a:fontRef idx="minor">
+            <a:schemeClr val="tx1"/>
+          </a:fontRef>
+        </p:style>
+      </p:cxnSp>
+      <p:cxnSp>
+        <p:nvCxnSpPr>
+          <p:cNvPr id="19" name="直接箭头连接符 18"/>
+          <p:cNvCxnSpPr>
+            <a:stCxn id="45" idx="6"/>
+          </p:cNvCxnSpPr>
+          <p:nvPr/>
+        </p:nvCxnSpPr>
+        <p:spPr>
+          <a:xfrm>
+            <a:off x="5587365" y="3665855"/>
+            <a:ext cx="1778000" cy="687705"/>
+          </a:xfrm>
+          <a:prstGeom prst="straightConnector1">
+            <a:avLst/>
+          </a:prstGeom>
+          <a:ln>
+            <a:tailEnd type="arrow"/>
+          </a:ln>
+        </p:spPr>
+        <p:style>
+          <a:lnRef idx="1">
+            <a:schemeClr val="accent1"/>
+          </a:lnRef>
+          <a:fillRef idx="0">
+            <a:schemeClr val="accent1"/>
+          </a:fillRef>
+          <a:effectRef idx="0">
+            <a:schemeClr val="accent1"/>
+          </a:effectRef>
+          <a:fontRef idx="minor">
+            <a:schemeClr val="tx1"/>
+          </a:fontRef>
+        </p:style>
+      </p:cxnSp>
+      <p:cxnSp>
+        <p:nvCxnSpPr>
+          <p:cNvPr id="20" name="直接箭头连接符 19"/>
+          <p:cNvCxnSpPr>
+            <a:stCxn id="46" idx="6"/>
+            <a:endCxn id="5" idx="2"/>
+          </p:cNvCxnSpPr>
+          <p:nvPr/>
+        </p:nvCxnSpPr>
+        <p:spPr>
+          <a:xfrm flipV="1">
+            <a:off x="5641340" y="2889250"/>
+            <a:ext cx="1762125" cy="2586355"/>
           </a:xfrm>
           <a:prstGeom prst="straightConnector1">
             <a:avLst/>
@@ -4356,120 +5170,15 @@
         <p:nvCxnSpPr>
           <p:cNvPr id="21" name="直接箭头连接符 20"/>
           <p:cNvCxnSpPr>
-            <a:endCxn id="7" idx="2"/>
+            <a:stCxn id="46" idx="6"/>
+            <a:endCxn id="6" idx="2"/>
           </p:cNvCxnSpPr>
           <p:nvPr/>
         </p:nvCxnSpPr>
         <p:spPr>
           <a:xfrm flipV="1">
-            <a:off x="4020820" y="2825115"/>
-            <a:ext cx="1282065" cy="567690"/>
-          </a:xfrm>
-          <a:prstGeom prst="straightConnector1">
-            <a:avLst/>
-          </a:prstGeom>
-          <a:ln>
-            <a:tailEnd type="arrow"/>
-          </a:ln>
-        </p:spPr>
-        <p:style>
-          <a:lnRef idx="1">
-            <a:schemeClr val="accent1"/>
-          </a:lnRef>
-          <a:fillRef idx="0">
-            <a:schemeClr val="accent1"/>
-          </a:fillRef>
-          <a:effectRef idx="0">
-            <a:schemeClr val="accent1"/>
-          </a:effectRef>
-          <a:fontRef idx="minor">
-            <a:schemeClr val="tx1"/>
-          </a:fontRef>
-        </p:style>
-      </p:cxnSp>
-      <p:cxnSp>
-        <p:nvCxnSpPr>
-          <p:cNvPr id="22" name="直接箭头连接符 21"/>
-          <p:cNvCxnSpPr>
-            <a:stCxn id="5" idx="6"/>
-            <a:endCxn id="8" idx="2"/>
-          </p:cNvCxnSpPr>
-          <p:nvPr/>
-        </p:nvCxnSpPr>
-        <p:spPr>
-          <a:xfrm>
-            <a:off x="4015105" y="3503930"/>
-            <a:ext cx="1300480" cy="84455"/>
-          </a:xfrm>
-          <a:prstGeom prst="straightConnector1">
-            <a:avLst/>
-          </a:prstGeom>
-          <a:ln>
-            <a:tailEnd type="arrow"/>
-          </a:ln>
-        </p:spPr>
-        <p:style>
-          <a:lnRef idx="1">
-            <a:schemeClr val="accent1"/>
-          </a:lnRef>
-          <a:fillRef idx="0">
-            <a:schemeClr val="accent1"/>
-          </a:fillRef>
-          <a:effectRef idx="0">
-            <a:schemeClr val="accent1"/>
-          </a:effectRef>
-          <a:fontRef idx="minor">
-            <a:schemeClr val="tx1"/>
-          </a:fontRef>
-        </p:style>
-      </p:cxnSp>
-      <p:cxnSp>
-        <p:nvCxnSpPr>
-          <p:cNvPr id="26" name="直接箭头连接符 25"/>
-          <p:cNvCxnSpPr>
-            <a:stCxn id="6" idx="6"/>
-          </p:cNvCxnSpPr>
-          <p:nvPr/>
-        </p:nvCxnSpPr>
-        <p:spPr>
-          <a:xfrm flipV="1">
-            <a:off x="4022725" y="2781935"/>
-            <a:ext cx="1292860" cy="1485265"/>
-          </a:xfrm>
-          <a:prstGeom prst="straightConnector1">
-            <a:avLst/>
-          </a:prstGeom>
-          <a:ln>
-            <a:tailEnd type="arrow"/>
-          </a:ln>
-        </p:spPr>
-        <p:style>
-          <a:lnRef idx="1">
-            <a:schemeClr val="accent1"/>
-          </a:lnRef>
-          <a:fillRef idx="0">
-            <a:schemeClr val="accent1"/>
-          </a:fillRef>
-          <a:effectRef idx="0">
-            <a:schemeClr val="accent1"/>
-          </a:effectRef>
-          <a:fontRef idx="minor">
-            <a:schemeClr val="tx1"/>
-          </a:fontRef>
-        </p:style>
-      </p:cxnSp>
-      <p:cxnSp>
-        <p:nvCxnSpPr>
-          <p:cNvPr id="27" name="直接箭头连接符 26"/>
-          <p:cNvCxnSpPr>
-            <a:stCxn id="6" idx="6"/>
-          </p:cNvCxnSpPr>
-          <p:nvPr/>
-        </p:nvCxnSpPr>
-        <p:spPr>
-          <a:xfrm flipV="1">
-            <a:off x="4022725" y="3547745"/>
-            <a:ext cx="1284605" cy="719455"/>
+            <a:off x="5641340" y="4364355"/>
+            <a:ext cx="1762125" cy="1111250"/>
           </a:xfrm>
           <a:prstGeom prst="straightConnector1">
             <a:avLst/>
